--- a/Типове_данни_и_променливи/Типове_данни_и_променливи.pptx
+++ b/Типове_данни_и_променливи/Типове_данни_и_променливи.pptx
@@ -152,7 +152,7 @@
   </p:defaultTextStyle>
   <p:extLst>
     <p:ext uri="{521415D9-36F7-43E2-AB2F-B90AF26B5E84}">
-      <p14:sectionLst xmlns:p14="http://schemas.microsoft.com/office/powerpoint/2010/main">
+      <p14:sectionLst xmlns:p14="http://schemas.microsoft.com/office/powerpoint/2010/main" xmlns="">
         <p14:section name="Default Section" id="{A8DC77D5-1B79-4FA4-A105-B45A4A4A4640}">
           <p14:sldIdLst>
             <p14:sldId id="256"/>
@@ -207,7 +207,7 @@
       </p14:sectionLst>
     </p:ext>
     <p:ext uri="{EFAFB233-063F-42B5-8137-9DF3F51BA10A}">
-      <p15:sldGuideLst xmlns:p15="http://schemas.microsoft.com/office/powerpoint/2012/main">
+      <p15:sldGuideLst xmlns:p15="http://schemas.microsoft.com/office/powerpoint/2012/main" xmlns="">
         <p15:guide id="1" orient="horz" pos="2160">
           <p15:clr>
             <a:srgbClr val="A4A3A4"/>
@@ -307,7 +307,7 @@
             <a:fld id="{87C51F08-B5D1-4FE4-9FAD-848CD6A972E5}" type="datetimeFigureOut">
               <a:rPr lang="bg-BG" smtClean="0"/>
               <a:pPr/>
-              <a:t>23.1.2018 г.</a:t>
+              <a:t>27.1.2018 г.</a:t>
             </a:fld>
             <a:endParaRPr lang="bg-BG"/>
           </a:p>
@@ -476,7 +476,7 @@
     </p:spTree>
     <p:extLst>
       <p:ext uri="{BB962C8B-B14F-4D97-AF65-F5344CB8AC3E}">
-        <p14:creationId xmlns:p14="http://schemas.microsoft.com/office/powerpoint/2010/main" val="3415478644"/>
+        <p14:creationId xmlns:p14="http://schemas.microsoft.com/office/powerpoint/2010/main" xmlns="" val="3415478644"/>
       </p:ext>
     </p:extLst>
   </p:cSld>
@@ -803,7 +803,7 @@
             <a:fld id="{2B7EFFDF-CBE5-4FDB-B08D-503A89748AE9}" type="datetimeFigureOut">
               <a:rPr lang="bg-BG" smtClean="0"/>
               <a:pPr/>
-              <a:t>23.1.2018 г.</a:t>
+              <a:t>27.1.2018 г.</a:t>
             </a:fld>
             <a:endParaRPr lang="bg-BG"/>
           </a:p>
@@ -893,7 +893,7 @@
     </p:spTree>
     <p:extLst>
       <p:ext uri="{BB962C8B-B14F-4D97-AF65-F5344CB8AC3E}">
-        <p14:creationId xmlns:p14="http://schemas.microsoft.com/office/powerpoint/2010/main" val="761007633"/>
+        <p14:creationId xmlns:p14="http://schemas.microsoft.com/office/powerpoint/2010/main" xmlns="" val="761007633"/>
       </p:ext>
     </p:extLst>
   </p:cSld>
@@ -1013,7 +1013,7 @@
             <a:fld id="{2B7EFFDF-CBE5-4FDB-B08D-503A89748AE9}" type="datetimeFigureOut">
               <a:rPr lang="bg-BG" smtClean="0"/>
               <a:pPr/>
-              <a:t>23.1.2018 г.</a:t>
+              <a:t>27.1.2018 г.</a:t>
             </a:fld>
             <a:endParaRPr lang="bg-BG"/>
           </a:p>
@@ -1065,7 +1065,7 @@
     </p:spTree>
     <p:extLst>
       <p:ext uri="{BB962C8B-B14F-4D97-AF65-F5344CB8AC3E}">
-        <p14:creationId xmlns:p14="http://schemas.microsoft.com/office/powerpoint/2010/main" val="1976347112"/>
+        <p14:creationId xmlns:p14="http://schemas.microsoft.com/office/powerpoint/2010/main" xmlns="" val="1976347112"/>
       </p:ext>
     </p:extLst>
   </p:cSld>
@@ -1271,7 +1271,7 @@
             <a:fld id="{2B7EFFDF-CBE5-4FDB-B08D-503A89748AE9}" type="datetimeFigureOut">
               <a:rPr lang="bg-BG" smtClean="0"/>
               <a:pPr/>
-              <a:t>23.1.2018 г.</a:t>
+              <a:t>27.1.2018 г.</a:t>
             </a:fld>
             <a:endParaRPr lang="bg-BG"/>
           </a:p>
@@ -1323,7 +1323,7 @@
     </p:spTree>
     <p:extLst>
       <p:ext uri="{BB962C8B-B14F-4D97-AF65-F5344CB8AC3E}">
-        <p14:creationId xmlns:p14="http://schemas.microsoft.com/office/powerpoint/2010/main" val="2459308985"/>
+        <p14:creationId xmlns:p14="http://schemas.microsoft.com/office/powerpoint/2010/main" xmlns="" val="2459308985"/>
       </p:ext>
     </p:extLst>
   </p:cSld>
@@ -1447,7 +1447,7 @@
             <a:fld id="{2B7EFFDF-CBE5-4FDB-B08D-503A89748AE9}" type="datetimeFigureOut">
               <a:rPr lang="bg-BG" smtClean="0"/>
               <a:pPr/>
-              <a:t>23.1.2018 г.</a:t>
+              <a:t>27.1.2018 г.</a:t>
             </a:fld>
             <a:endParaRPr lang="bg-BG"/>
           </a:p>
@@ -1499,7 +1499,7 @@
     </p:spTree>
     <p:extLst>
       <p:ext uri="{BB962C8B-B14F-4D97-AF65-F5344CB8AC3E}">
-        <p14:creationId xmlns:p14="http://schemas.microsoft.com/office/powerpoint/2010/main" val="3263187237"/>
+        <p14:creationId xmlns:p14="http://schemas.microsoft.com/office/powerpoint/2010/main" xmlns="" val="3263187237"/>
       </p:ext>
     </p:extLst>
   </p:cSld>
@@ -1792,7 +1792,7 @@
             <a:fld id="{2B7EFFDF-CBE5-4FDB-B08D-503A89748AE9}" type="datetimeFigureOut">
               <a:rPr lang="bg-BG" smtClean="0"/>
               <a:pPr/>
-              <a:t>23.1.2018 г.</a:t>
+              <a:t>27.1.2018 г.</a:t>
             </a:fld>
             <a:endParaRPr lang="bg-BG"/>
           </a:p>
@@ -1882,7 +1882,7 @@
     </p:spTree>
     <p:extLst>
       <p:ext uri="{BB962C8B-B14F-4D97-AF65-F5344CB8AC3E}">
-        <p14:creationId xmlns:p14="http://schemas.microsoft.com/office/powerpoint/2010/main" val="4032931968"/>
+        <p14:creationId xmlns:p14="http://schemas.microsoft.com/office/powerpoint/2010/main" xmlns="" val="4032931968"/>
       </p:ext>
     </p:extLst>
   </p:cSld>
@@ -2069,7 +2069,7 @@
             <a:fld id="{2B7EFFDF-CBE5-4FDB-B08D-503A89748AE9}" type="datetimeFigureOut">
               <a:rPr lang="bg-BG" smtClean="0"/>
               <a:pPr/>
-              <a:t>23.1.2018 г.</a:t>
+              <a:t>27.1.2018 г.</a:t>
             </a:fld>
             <a:endParaRPr lang="bg-BG"/>
           </a:p>
@@ -2121,7 +2121,7 @@
     </p:spTree>
     <p:extLst>
       <p:ext uri="{BB962C8B-B14F-4D97-AF65-F5344CB8AC3E}">
-        <p14:creationId xmlns:p14="http://schemas.microsoft.com/office/powerpoint/2010/main" val="597892450"/>
+        <p14:creationId xmlns:p14="http://schemas.microsoft.com/office/powerpoint/2010/main" xmlns="" val="597892450"/>
       </p:ext>
     </p:extLst>
   </p:cSld>
@@ -2450,7 +2450,7 @@
             <a:fld id="{2B7EFFDF-CBE5-4FDB-B08D-503A89748AE9}" type="datetimeFigureOut">
               <a:rPr lang="bg-BG" smtClean="0"/>
               <a:pPr/>
-              <a:t>23.1.2018 г.</a:t>
+              <a:t>27.1.2018 г.</a:t>
             </a:fld>
             <a:endParaRPr lang="bg-BG"/>
           </a:p>
@@ -2502,7 +2502,7 @@
     </p:spTree>
     <p:extLst>
       <p:ext uri="{BB962C8B-B14F-4D97-AF65-F5344CB8AC3E}">
-        <p14:creationId xmlns:p14="http://schemas.microsoft.com/office/powerpoint/2010/main" val="3984051326"/>
+        <p14:creationId xmlns:p14="http://schemas.microsoft.com/office/powerpoint/2010/main" xmlns="" val="3984051326"/>
       </p:ext>
     </p:extLst>
   </p:cSld>
@@ -2570,7 +2570,7 @@
             <a:fld id="{2B7EFFDF-CBE5-4FDB-B08D-503A89748AE9}" type="datetimeFigureOut">
               <a:rPr lang="bg-BG" smtClean="0"/>
               <a:pPr/>
-              <a:t>23.1.2018 г.</a:t>
+              <a:t>27.1.2018 г.</a:t>
             </a:fld>
             <a:endParaRPr lang="bg-BG"/>
           </a:p>
@@ -2622,7 +2622,7 @@
     </p:spTree>
     <p:extLst>
       <p:ext uri="{BB962C8B-B14F-4D97-AF65-F5344CB8AC3E}">
-        <p14:creationId xmlns:p14="http://schemas.microsoft.com/office/powerpoint/2010/main" val="1789912344"/>
+        <p14:creationId xmlns:p14="http://schemas.microsoft.com/office/powerpoint/2010/main" xmlns="" val="1789912344"/>
       </p:ext>
     </p:extLst>
   </p:cSld>
@@ -2743,7 +2743,7 @@
             <a:fld id="{2B7EFFDF-CBE5-4FDB-B08D-503A89748AE9}" type="datetimeFigureOut">
               <a:rPr lang="bg-BG" smtClean="0"/>
               <a:pPr/>
-              <a:t>23.1.2018 г.</a:t>
+              <a:t>27.1.2018 г.</a:t>
             </a:fld>
             <a:endParaRPr lang="bg-BG"/>
           </a:p>
@@ -2803,7 +2803,7 @@
     </p:spTree>
     <p:extLst>
       <p:ext uri="{BB962C8B-B14F-4D97-AF65-F5344CB8AC3E}">
-        <p14:creationId xmlns:p14="http://schemas.microsoft.com/office/powerpoint/2010/main" val="4232190854"/>
+        <p14:creationId xmlns:p14="http://schemas.microsoft.com/office/powerpoint/2010/main" xmlns="" val="4232190854"/>
       </p:ext>
     </p:extLst>
   </p:cSld>
@@ -3099,7 +3099,7 @@
             <a:fld id="{2B7EFFDF-CBE5-4FDB-B08D-503A89748AE9}" type="datetimeFigureOut">
               <a:rPr lang="bg-BG" smtClean="0"/>
               <a:pPr/>
-              <a:t>23.1.2018 г.</a:t>
+              <a:t>27.1.2018 г.</a:t>
             </a:fld>
             <a:endParaRPr lang="bg-BG"/>
           </a:p>
@@ -3172,7 +3172,7 @@
     </p:spTree>
     <p:extLst>
       <p:ext uri="{BB962C8B-B14F-4D97-AF65-F5344CB8AC3E}">
-        <p14:creationId xmlns:p14="http://schemas.microsoft.com/office/powerpoint/2010/main" val="2130826474"/>
+        <p14:creationId xmlns:p14="http://schemas.microsoft.com/office/powerpoint/2010/main" xmlns="" val="2130826474"/>
       </p:ext>
     </p:extLst>
   </p:cSld>
@@ -3483,7 +3483,7 @@
             <a:fld id="{2B7EFFDF-CBE5-4FDB-B08D-503A89748AE9}" type="datetimeFigureOut">
               <a:rPr lang="bg-BG" smtClean="0"/>
               <a:pPr/>
-              <a:t>23.1.2018 г.</a:t>
+              <a:t>27.1.2018 г.</a:t>
             </a:fld>
             <a:endParaRPr lang="bg-BG"/>
           </a:p>
@@ -3535,7 +3535,7 @@
     </p:spTree>
     <p:extLst>
       <p:ext uri="{BB962C8B-B14F-4D97-AF65-F5344CB8AC3E}">
-        <p14:creationId xmlns:p14="http://schemas.microsoft.com/office/powerpoint/2010/main" val="4065941072"/>
+        <p14:creationId xmlns:p14="http://schemas.microsoft.com/office/powerpoint/2010/main" xmlns="" val="4065941072"/>
       </p:ext>
     </p:extLst>
   </p:cSld>
@@ -3772,7 +3772,7 @@
             <a:fld id="{2B7EFFDF-CBE5-4FDB-B08D-503A89748AE9}" type="datetimeFigureOut">
               <a:rPr lang="bg-BG" smtClean="0"/>
               <a:pPr/>
-              <a:t>23.1.2018 г.</a:t>
+              <a:t>27.1.2018 г.</a:t>
             </a:fld>
             <a:endParaRPr lang="bg-BG"/>
           </a:p>
@@ -3894,7 +3894,7 @@
     </p:spTree>
     <p:extLst>
       <p:ext uri="{BB962C8B-B14F-4D97-AF65-F5344CB8AC3E}">
-        <p14:creationId xmlns:p14="http://schemas.microsoft.com/office/powerpoint/2010/main" val="3149341397"/>
+        <p14:creationId xmlns:p14="http://schemas.microsoft.com/office/powerpoint/2010/main" xmlns="" val="3149341397"/>
       </p:ext>
     </p:extLst>
   </p:cSld>
@@ -4343,7 +4343,7 @@
     </p:spTree>
     <p:extLst>
       <p:ext uri="{BB962C8B-B14F-4D97-AF65-F5344CB8AC3E}">
-        <p14:creationId xmlns:p14="http://schemas.microsoft.com/office/powerpoint/2010/main" val="2791170945"/>
+        <p14:creationId xmlns:p14="http://schemas.microsoft.com/office/powerpoint/2010/main" xmlns="" val="2791170945"/>
       </p:ext>
     </p:extLst>
   </p:cSld>
@@ -5035,7 +5035,7 @@
     </p:spTree>
     <p:extLst>
       <p:ext uri="{BB962C8B-B14F-4D97-AF65-F5344CB8AC3E}">
-        <p14:creationId xmlns:p14="http://schemas.microsoft.com/office/powerpoint/2010/main" val="2289067455"/>
+        <p14:creationId xmlns:p14="http://schemas.microsoft.com/office/powerpoint/2010/main" xmlns="" val="2289067455"/>
       </p:ext>
     </p:extLst>
   </p:cSld>
@@ -5683,7 +5683,7 @@
     </p:spTree>
     <p:extLst>
       <p:ext uri="{BB962C8B-B14F-4D97-AF65-F5344CB8AC3E}">
-        <p14:creationId xmlns:p14="http://schemas.microsoft.com/office/powerpoint/2010/main" val="3876121578"/>
+        <p14:creationId xmlns:p14="http://schemas.microsoft.com/office/powerpoint/2010/main" xmlns="" val="3876121578"/>
       </p:ext>
     </p:extLst>
   </p:cSld>
@@ -5925,7 +5925,7 @@
     </p:spTree>
     <p:extLst>
       <p:ext uri="{BB962C8B-B14F-4D97-AF65-F5344CB8AC3E}">
-        <p14:creationId xmlns:p14="http://schemas.microsoft.com/office/powerpoint/2010/main" val="4146494883"/>
+        <p14:creationId xmlns:p14="http://schemas.microsoft.com/office/powerpoint/2010/main" xmlns="" val="4146494883"/>
       </p:ext>
     </p:extLst>
   </p:cSld>
@@ -6253,7 +6253,7 @@
     </p:spTree>
     <p:extLst>
       <p:ext uri="{BB962C8B-B14F-4D97-AF65-F5344CB8AC3E}">
-        <p14:creationId xmlns:p14="http://schemas.microsoft.com/office/powerpoint/2010/main" val="1655529933"/>
+        <p14:creationId xmlns:p14="http://schemas.microsoft.com/office/powerpoint/2010/main" xmlns="" val="1655529933"/>
       </p:ext>
     </p:extLst>
   </p:cSld>
@@ -6743,7 +6743,7 @@
             <a:blip r:embed="rId2">
               <a:extLst>
                 <a:ext uri="{28A0092B-C50C-407E-A947-70E740481C1C}">
-                  <a14:useLocalDpi xmlns:a14="http://schemas.microsoft.com/office/drawing/2010/main" val="0"/>
+                  <a14:useLocalDpi xmlns:a14="http://schemas.microsoft.com/office/drawing/2010/main" xmlns="" val="0"/>
                 </a:ext>
               </a:extLst>
             </a:blip>
@@ -6765,7 +6765,7 @@
     </p:spTree>
     <p:extLst>
       <p:ext uri="{BB962C8B-B14F-4D97-AF65-F5344CB8AC3E}">
-        <p14:creationId xmlns:p14="http://schemas.microsoft.com/office/powerpoint/2010/main" val="4089127491"/>
+        <p14:creationId xmlns:p14="http://schemas.microsoft.com/office/powerpoint/2010/main" xmlns="" val="4089127491"/>
       </p:ext>
     </p:extLst>
   </p:cSld>
@@ -7605,7 +7605,7 @@
     </p:spTree>
     <p:extLst>
       <p:ext uri="{BB962C8B-B14F-4D97-AF65-F5344CB8AC3E}">
-        <p14:creationId xmlns:p14="http://schemas.microsoft.com/office/powerpoint/2010/main" val="1893720893"/>
+        <p14:creationId xmlns:p14="http://schemas.microsoft.com/office/powerpoint/2010/main" xmlns="" val="1893720893"/>
       </p:ext>
     </p:extLst>
   </p:cSld>
@@ -8381,7 +8381,7 @@
     </p:spTree>
     <p:extLst>
       <p:ext uri="{BB962C8B-B14F-4D97-AF65-F5344CB8AC3E}">
-        <p14:creationId xmlns:p14="http://schemas.microsoft.com/office/powerpoint/2010/main" val="2212662323"/>
+        <p14:creationId xmlns:p14="http://schemas.microsoft.com/office/powerpoint/2010/main" xmlns="" val="2212662323"/>
       </p:ext>
     </p:extLst>
   </p:cSld>
@@ -8839,7 +8839,7 @@
     </p:spTree>
     <p:extLst>
       <p:ext uri="{BB962C8B-B14F-4D97-AF65-F5344CB8AC3E}">
-        <p14:creationId xmlns:p14="http://schemas.microsoft.com/office/powerpoint/2010/main" val="2809912152"/>
+        <p14:creationId xmlns:p14="http://schemas.microsoft.com/office/powerpoint/2010/main" xmlns="" val="2809912152"/>
       </p:ext>
     </p:extLst>
   </p:cSld>
@@ -9696,7 +9696,7 @@
     </p:spTree>
     <p:extLst>
       <p:ext uri="{BB962C8B-B14F-4D97-AF65-F5344CB8AC3E}">
-        <p14:creationId xmlns:p14="http://schemas.microsoft.com/office/powerpoint/2010/main" val="1482946942"/>
+        <p14:creationId xmlns:p14="http://schemas.microsoft.com/office/powerpoint/2010/main" xmlns="" val="1482946942"/>
       </p:ext>
     </p:extLst>
   </p:cSld>
@@ -10287,7 +10287,7 @@
     </p:spTree>
     <p:extLst>
       <p:ext uri="{BB962C8B-B14F-4D97-AF65-F5344CB8AC3E}">
-        <p14:creationId xmlns:p14="http://schemas.microsoft.com/office/powerpoint/2010/main" val="1787533816"/>
+        <p14:creationId xmlns:p14="http://schemas.microsoft.com/office/powerpoint/2010/main" xmlns="" val="1787533816"/>
       </p:ext>
     </p:extLst>
   </p:cSld>
@@ -10493,7 +10493,7 @@
               <a:blip r:embed="rId2">
                 <a:extLst>
                   <a:ext uri="{28A0092B-C50C-407E-A947-70E740481C1C}">
-                    <a14:useLocalDpi xmlns:a14="http://schemas.microsoft.com/office/drawing/2010/main" val="0"/>
+                    <a14:useLocalDpi xmlns:a14="http://schemas.microsoft.com/office/drawing/2010/main" xmlns="" val="0"/>
                   </a:ext>
                 </a:extLst>
               </a:blip>
@@ -10579,7 +10579,7 @@
               <a:blip r:embed="rId3">
                 <a:extLst>
                   <a:ext uri="{28A0092B-C50C-407E-A947-70E740481C1C}">
-                    <a14:useLocalDpi xmlns:a14="http://schemas.microsoft.com/office/drawing/2010/main" val="0"/>
+                    <a14:useLocalDpi xmlns:a14="http://schemas.microsoft.com/office/drawing/2010/main" xmlns="" val="0"/>
                   </a:ext>
                 </a:extLst>
               </a:blip>
@@ -10820,7 +10820,7 @@
     </p:spTree>
     <p:extLst>
       <p:ext uri="{BB962C8B-B14F-4D97-AF65-F5344CB8AC3E}">
-        <p14:creationId xmlns:p14="http://schemas.microsoft.com/office/powerpoint/2010/main" val="2422868112"/>
+        <p14:creationId xmlns:p14="http://schemas.microsoft.com/office/powerpoint/2010/main" xmlns="" val="2422868112"/>
       </p:ext>
     </p:extLst>
   </p:cSld>
@@ -11122,7 +11122,7 @@
     </p:spTree>
     <p:extLst>
       <p:ext uri="{BB962C8B-B14F-4D97-AF65-F5344CB8AC3E}">
-        <p14:creationId xmlns:p14="http://schemas.microsoft.com/office/powerpoint/2010/main" val="788115421"/>
+        <p14:creationId xmlns:p14="http://schemas.microsoft.com/office/powerpoint/2010/main" xmlns="" val="788115421"/>
       </p:ext>
     </p:extLst>
   </p:cSld>
@@ -11729,7 +11729,7 @@
     </p:spTree>
     <p:extLst>
       <p:ext uri="{BB962C8B-B14F-4D97-AF65-F5344CB8AC3E}">
-        <p14:creationId xmlns:p14="http://schemas.microsoft.com/office/powerpoint/2010/main" val="3078693691"/>
+        <p14:creationId xmlns:p14="http://schemas.microsoft.com/office/powerpoint/2010/main" xmlns="" val="3078693691"/>
       </p:ext>
     </p:extLst>
   </p:cSld>
@@ -11917,7 +11917,7 @@
         </p:nvSpPr>
         <p:spPr bwMode="auto">
           <a:xfrm>
-            <a:off x="1097280" y="2305656"/>
+            <a:off x="1242423" y="2784628"/>
             <a:ext cx="10210798" cy="3103515"/>
           </a:xfrm>
           <a:prstGeom prst="rect">
@@ -12103,7 +12103,7 @@
     </p:spTree>
     <p:extLst>
       <p:ext uri="{BB962C8B-B14F-4D97-AF65-F5344CB8AC3E}">
-        <p14:creationId xmlns:p14="http://schemas.microsoft.com/office/powerpoint/2010/main" val="3180779769"/>
+        <p14:creationId xmlns:p14="http://schemas.microsoft.com/office/powerpoint/2010/main" xmlns="" val="3180779769"/>
       </p:ext>
     </p:extLst>
   </p:cSld>
@@ -12919,7 +12919,7 @@
     </p:spTree>
     <p:extLst>
       <p:ext uri="{BB962C8B-B14F-4D97-AF65-F5344CB8AC3E}">
-        <p14:creationId xmlns:p14="http://schemas.microsoft.com/office/powerpoint/2010/main" val="3126050430"/>
+        <p14:creationId xmlns:p14="http://schemas.microsoft.com/office/powerpoint/2010/main" xmlns="" val="3126050430"/>
       </p:ext>
     </p:extLst>
   </p:cSld>
@@ -14077,7 +14077,7 @@
     </p:spTree>
     <p:extLst>
       <p:ext uri="{BB962C8B-B14F-4D97-AF65-F5344CB8AC3E}">
-        <p14:creationId xmlns:p14="http://schemas.microsoft.com/office/powerpoint/2010/main" val="3551714993"/>
+        <p14:creationId xmlns:p14="http://schemas.microsoft.com/office/powerpoint/2010/main" xmlns="" val="3551714993"/>
       </p:ext>
     </p:extLst>
   </p:cSld>
@@ -14509,7 +14509,7 @@
     </p:spTree>
     <p:extLst>
       <p:ext uri="{BB962C8B-B14F-4D97-AF65-F5344CB8AC3E}">
-        <p14:creationId xmlns:p14="http://schemas.microsoft.com/office/powerpoint/2010/main" val="2221155445"/>
+        <p14:creationId xmlns:p14="http://schemas.microsoft.com/office/powerpoint/2010/main" xmlns="" val="2221155445"/>
       </p:ext>
     </p:extLst>
   </p:cSld>
@@ -15748,7 +15748,7 @@
     </p:spTree>
     <p:extLst>
       <p:ext uri="{BB962C8B-B14F-4D97-AF65-F5344CB8AC3E}">
-        <p14:creationId xmlns:p14="http://schemas.microsoft.com/office/powerpoint/2010/main" val="3535570849"/>
+        <p14:creationId xmlns:p14="http://schemas.microsoft.com/office/powerpoint/2010/main" xmlns="" val="3535570849"/>
       </p:ext>
     </p:extLst>
   </p:cSld>
@@ -16348,7 +16348,7 @@
     </p:spTree>
     <p:extLst>
       <p:ext uri="{BB962C8B-B14F-4D97-AF65-F5344CB8AC3E}">
-        <p14:creationId xmlns:p14="http://schemas.microsoft.com/office/powerpoint/2010/main" val="58681896"/>
+        <p14:creationId xmlns:p14="http://schemas.microsoft.com/office/powerpoint/2010/main" xmlns="" val="58681896"/>
       </p:ext>
     </p:extLst>
   </p:cSld>
@@ -16650,7 +16650,7 @@
     </p:spTree>
     <p:extLst>
       <p:ext uri="{BB962C8B-B14F-4D97-AF65-F5344CB8AC3E}">
-        <p14:creationId xmlns:p14="http://schemas.microsoft.com/office/powerpoint/2010/main" val="3449167969"/>
+        <p14:creationId xmlns:p14="http://schemas.microsoft.com/office/powerpoint/2010/main" xmlns="" val="3449167969"/>
       </p:ext>
     </p:extLst>
   </p:cSld>
@@ -16756,10 +16756,10 @@
         </p:nvGrpSpPr>
         <p:grpSpPr>
           <a:xfrm>
-            <a:off x="792480" y="1005406"/>
-            <a:ext cx="10668000" cy="5704016"/>
-            <a:chOff x="760412" y="619621"/>
-            <a:chExt cx="10668000" cy="5704016"/>
+            <a:off x="792480" y="874778"/>
+            <a:ext cx="10668000" cy="5834644"/>
+            <a:chOff x="760412" y="488993"/>
+            <a:chExt cx="10668000" cy="5834644"/>
           </a:xfrm>
         </p:grpSpPr>
         <p:sp>
@@ -17433,7 +17433,7 @@
           </p:blipFill>
           <p:spPr>
             <a:xfrm>
-              <a:off x="5742330" y="619621"/>
+              <a:off x="6003587" y="488993"/>
               <a:ext cx="5244122" cy="2230259"/>
             </a:xfrm>
             <a:prstGeom prst="rect">
@@ -17452,7 +17452,7 @@
     </p:spTree>
     <p:extLst>
       <p:ext uri="{BB962C8B-B14F-4D97-AF65-F5344CB8AC3E}">
-        <p14:creationId xmlns:p14="http://schemas.microsoft.com/office/powerpoint/2010/main" val="963415161"/>
+        <p14:creationId xmlns:p14="http://schemas.microsoft.com/office/powerpoint/2010/main" xmlns="" val="963415161"/>
       </p:ext>
     </p:extLst>
   </p:cSld>
@@ -18041,7 +18041,7 @@
     </p:spTree>
     <p:extLst>
       <p:ext uri="{BB962C8B-B14F-4D97-AF65-F5344CB8AC3E}">
-        <p14:creationId xmlns:p14="http://schemas.microsoft.com/office/powerpoint/2010/main" val="432066140"/>
+        <p14:creationId xmlns:p14="http://schemas.microsoft.com/office/powerpoint/2010/main" xmlns="" val="432066140"/>
       </p:ext>
     </p:extLst>
   </p:cSld>
@@ -19363,7 +19363,7 @@
     </p:spTree>
     <p:extLst>
       <p:ext uri="{BB962C8B-B14F-4D97-AF65-F5344CB8AC3E}">
-        <p14:creationId xmlns:p14="http://schemas.microsoft.com/office/powerpoint/2010/main" val="2778004712"/>
+        <p14:creationId xmlns:p14="http://schemas.microsoft.com/office/powerpoint/2010/main" xmlns="" val="2778004712"/>
       </p:ext>
     </p:extLst>
   </p:cSld>
@@ -19901,7 +19901,7 @@
     </p:spTree>
     <p:extLst>
       <p:ext uri="{BB962C8B-B14F-4D97-AF65-F5344CB8AC3E}">
-        <p14:creationId xmlns:p14="http://schemas.microsoft.com/office/powerpoint/2010/main" val="3620299911"/>
+        <p14:creationId xmlns:p14="http://schemas.microsoft.com/office/powerpoint/2010/main" xmlns="" val="3620299911"/>
       </p:ext>
     </p:extLst>
   </p:cSld>
@@ -20319,7 +20319,7 @@
     </p:spTree>
     <p:extLst>
       <p:ext uri="{BB962C8B-B14F-4D97-AF65-F5344CB8AC3E}">
-        <p14:creationId xmlns:p14="http://schemas.microsoft.com/office/powerpoint/2010/main" val="3834951190"/>
+        <p14:creationId xmlns:p14="http://schemas.microsoft.com/office/powerpoint/2010/main" xmlns="" val="3834951190"/>
       </p:ext>
     </p:extLst>
   </p:cSld>
@@ -21583,7 +21583,7 @@
     </p:spTree>
     <p:extLst>
       <p:ext uri="{BB962C8B-B14F-4D97-AF65-F5344CB8AC3E}">
-        <p14:creationId xmlns:p14="http://schemas.microsoft.com/office/powerpoint/2010/main" val="4080509924"/>
+        <p14:creationId xmlns:p14="http://schemas.microsoft.com/office/powerpoint/2010/main" xmlns="" val="4080509924"/>
       </p:ext>
     </p:extLst>
   </p:cSld>
@@ -21892,7 +21892,7 @@
     </p:spTree>
     <p:extLst>
       <p:ext uri="{BB962C8B-B14F-4D97-AF65-F5344CB8AC3E}">
-        <p14:creationId xmlns:p14="http://schemas.microsoft.com/office/powerpoint/2010/main" val="855308170"/>
+        <p14:creationId xmlns:p14="http://schemas.microsoft.com/office/powerpoint/2010/main" xmlns="" val="855308170"/>
       </p:ext>
     </p:extLst>
   </p:cSld>
@@ -22901,7 +22901,7 @@
     </p:spTree>
     <p:extLst>
       <p:ext uri="{BB962C8B-B14F-4D97-AF65-F5344CB8AC3E}">
-        <p14:creationId xmlns:p14="http://schemas.microsoft.com/office/powerpoint/2010/main" val="1459860925"/>
+        <p14:creationId xmlns:p14="http://schemas.microsoft.com/office/powerpoint/2010/main" xmlns="" val="1459860925"/>
       </p:ext>
     </p:extLst>
   </p:cSld>
@@ -23732,7 +23732,7 @@
     </p:spTree>
     <p:extLst>
       <p:ext uri="{BB962C8B-B14F-4D97-AF65-F5344CB8AC3E}">
-        <p14:creationId xmlns:p14="http://schemas.microsoft.com/office/powerpoint/2010/main" val="598084204"/>
+        <p14:creationId xmlns:p14="http://schemas.microsoft.com/office/powerpoint/2010/main" xmlns="" val="598084204"/>
       </p:ext>
     </p:extLst>
   </p:cSld>
@@ -24264,7 +24264,7 @@
     </p:spTree>
     <p:extLst>
       <p:ext uri="{BB962C8B-B14F-4D97-AF65-F5344CB8AC3E}">
-        <p14:creationId xmlns:p14="http://schemas.microsoft.com/office/powerpoint/2010/main" val="3348533984"/>
+        <p14:creationId xmlns:p14="http://schemas.microsoft.com/office/powerpoint/2010/main" xmlns="" val="3348533984"/>
       </p:ext>
     </p:extLst>
   </p:cSld>
@@ -24426,7 +24426,7 @@
     </p:spTree>
     <p:extLst>
       <p:ext uri="{BB962C8B-B14F-4D97-AF65-F5344CB8AC3E}">
-        <p14:creationId xmlns:p14="http://schemas.microsoft.com/office/powerpoint/2010/main" val="2163706514"/>
+        <p14:creationId xmlns:p14="http://schemas.microsoft.com/office/powerpoint/2010/main" xmlns="" val="2163706514"/>
       </p:ext>
     </p:extLst>
   </p:cSld>
@@ -25173,7 +25173,7 @@
             <a:blip r:embed="rId2">
               <a:extLst>
                 <a:ext uri="{28A0092B-C50C-407E-A947-70E740481C1C}">
-                  <a14:useLocalDpi xmlns:a14="http://schemas.microsoft.com/office/drawing/2010/main"/>
+                  <a14:useLocalDpi xmlns:a14="http://schemas.microsoft.com/office/drawing/2010/main" xmlns=""/>
                 </a:ext>
               </a:extLst>
             </a:blip>
@@ -25202,7 +25202,7 @@
             </a:effectLst>
             <a:extLst>
               <a:ext uri="{909E8E84-426E-40DD-AFC4-6F175D3DCCD1}">
-                <a14:hiddenFill xmlns:a14="http://schemas.microsoft.com/office/drawing/2010/main">
+                <a14:hiddenFill xmlns:a14="http://schemas.microsoft.com/office/drawing/2010/main" xmlns="">
                   <a:solidFill>
                     <a:srgbClr val="FFFFFF"/>
                   </a:solidFill>
@@ -25223,7 +25223,7 @@
             <a:blip r:embed="rId3" cstate="screen">
               <a:extLst>
                 <a:ext uri="{28A0092B-C50C-407E-A947-70E740481C1C}">
-                  <a14:useLocalDpi xmlns:a14="http://schemas.microsoft.com/office/drawing/2010/main"/>
+                  <a14:useLocalDpi xmlns:a14="http://schemas.microsoft.com/office/drawing/2010/main" xmlns=""/>
                 </a:ext>
               </a:extLst>
             </a:blip>
@@ -25250,7 +25250,7 @@
             </a:effectLst>
             <a:extLst>
               <a:ext uri="{909E8E84-426E-40DD-AFC4-6F175D3DCCD1}">
-                <a14:hiddenFill xmlns:a14="http://schemas.microsoft.com/office/drawing/2010/main">
+                <a14:hiddenFill xmlns:a14="http://schemas.microsoft.com/office/drawing/2010/main" xmlns="">
                   <a:solidFill>
                     <a:srgbClr val="FFFFFF"/>
                   </a:solidFill>
@@ -25263,7 +25263,7 @@
     </p:spTree>
     <p:extLst>
       <p:ext uri="{BB962C8B-B14F-4D97-AF65-F5344CB8AC3E}">
-        <p14:creationId xmlns:p14="http://schemas.microsoft.com/office/powerpoint/2010/main" val="2433964769"/>
+        <p14:creationId xmlns:p14="http://schemas.microsoft.com/office/powerpoint/2010/main" xmlns="" val="2433964769"/>
       </p:ext>
     </p:extLst>
   </p:cSld>
@@ -25639,7 +25639,7 @@
     </p:spTree>
     <p:extLst>
       <p:ext uri="{BB962C8B-B14F-4D97-AF65-F5344CB8AC3E}">
-        <p14:creationId xmlns:p14="http://schemas.microsoft.com/office/powerpoint/2010/main" val="714740553"/>
+        <p14:creationId xmlns:p14="http://schemas.microsoft.com/office/powerpoint/2010/main" xmlns="" val="714740553"/>
       </p:ext>
     </p:extLst>
   </p:cSld>
@@ -26710,7 +26710,7 @@
     </p:spTree>
     <p:extLst>
       <p:ext uri="{BB962C8B-B14F-4D97-AF65-F5344CB8AC3E}">
-        <p14:creationId xmlns:p14="http://schemas.microsoft.com/office/powerpoint/2010/main" val="2701084814"/>
+        <p14:creationId xmlns:p14="http://schemas.microsoft.com/office/powerpoint/2010/main" xmlns="" val="2701084814"/>
       </p:ext>
     </p:extLst>
   </p:cSld>
@@ -27606,7 +27606,7 @@
     </p:spTree>
     <p:extLst>
       <p:ext uri="{BB962C8B-B14F-4D97-AF65-F5344CB8AC3E}">
-        <p14:creationId xmlns:p14="http://schemas.microsoft.com/office/powerpoint/2010/main" val="957928291"/>
+        <p14:creationId xmlns:p14="http://schemas.microsoft.com/office/powerpoint/2010/main" xmlns="" val="957928291"/>
       </p:ext>
     </p:extLst>
   </p:cSld>
@@ -28944,7 +28944,7 @@
     </p:spTree>
     <p:extLst>
       <p:ext uri="{BB962C8B-B14F-4D97-AF65-F5344CB8AC3E}">
-        <p14:creationId xmlns:p14="http://schemas.microsoft.com/office/powerpoint/2010/main" val="3776308308"/>
+        <p14:creationId xmlns:p14="http://schemas.microsoft.com/office/powerpoint/2010/main" xmlns="" val="3776308308"/>
       </p:ext>
     </p:extLst>
   </p:cSld>
@@ -29807,7 +29807,7 @@
     </p:spTree>
     <p:extLst>
       <p:ext uri="{BB962C8B-B14F-4D97-AF65-F5344CB8AC3E}">
-        <p14:creationId xmlns:p14="http://schemas.microsoft.com/office/powerpoint/2010/main" val="747328026"/>
+        <p14:creationId xmlns:p14="http://schemas.microsoft.com/office/powerpoint/2010/main" xmlns="" val="747328026"/>
       </p:ext>
     </p:extLst>
   </p:cSld>
@@ -30284,24 +30284,7 @@
                 <a:latin typeface="Consolas" pitchFamily="49" charset="0"/>
                 <a:cs typeface="Consolas" pitchFamily="49" charset="0"/>
               </a:rPr>
-              <a:t>        ch = ch / </a:t>
-            </a:r>
-            <a:r>
-              <a:rPr lang="en-GB" sz="2500" b="1" noProof="1">
-                <a:solidFill>
-                  <a:schemeClr val="tx2"/>
-                </a:solidFill>
-                <a:effectLst>
-                  <a:outerShdw blurRad="38100" dist="38100" dir="2700000" algn="tl">
-                    <a:srgbClr val="000000">
-                      <a:alpha val="43137"/>
-                    </a:srgbClr>
-                  </a:outerShdw>
-                </a:effectLst>
-                <a:latin typeface="Consolas" pitchFamily="49" charset="0"/>
-                <a:cs typeface="Consolas" pitchFamily="49" charset="0"/>
-              </a:rPr>
-              <a:t>10</a:t>
+              <a:t>        ch = ch / 10</a:t>
             </a:r>
             <a:r>
               <a:rPr lang="en-GB" sz="2500" b="1" noProof="1" smtClean="0">
@@ -30495,24 +30478,7 @@
                 <a:latin typeface="Consolas" pitchFamily="49" charset="0"/>
                 <a:cs typeface="Consolas" pitchFamily="49" charset="0"/>
               </a:rPr>
-              <a:t>    obshto = 0; ch = </a:t>
-            </a:r>
-            <a:r>
-              <a:rPr lang="en-GB" sz="2500" b="1" noProof="1">
-                <a:solidFill>
-                  <a:schemeClr val="tx2"/>
-                </a:solidFill>
-                <a:effectLst>
-                  <a:outerShdw blurRad="38100" dist="38100" dir="2700000" algn="tl">
-                    <a:srgbClr val="000000">
-                      <a:alpha val="43137"/>
-                    </a:srgbClr>
-                  </a:outerShdw>
-                </a:effectLst>
-                <a:latin typeface="Consolas" pitchFamily="49" charset="0"/>
-                <a:cs typeface="Consolas" pitchFamily="49" charset="0"/>
-              </a:rPr>
-              <a:t>takova</a:t>
+              <a:t>    obshto = 0; ch = takova</a:t>
             </a:r>
             <a:r>
               <a:rPr lang="en-GB" sz="2500" b="1" noProof="1" smtClean="0">
@@ -30633,7 +30599,7 @@
     </p:spTree>
     <p:extLst>
       <p:ext uri="{BB962C8B-B14F-4D97-AF65-F5344CB8AC3E}">
-        <p14:creationId xmlns:p14="http://schemas.microsoft.com/office/powerpoint/2010/main" val="2178133796"/>
+        <p14:creationId xmlns:p14="http://schemas.microsoft.com/office/powerpoint/2010/main" xmlns="" val="2178133796"/>
       </p:ext>
     </p:extLst>
   </p:cSld>
@@ -31024,7 +30990,7 @@
               <a:blip r:embed="rId2" cstate="print">
                 <a:extLst>
                   <a:ext uri="{28A0092B-C50C-407E-A947-70E740481C1C}">
-                    <a14:useLocalDpi xmlns:a14="http://schemas.microsoft.com/office/drawing/2010/main" val="0"/>
+                    <a14:useLocalDpi xmlns:a14="http://schemas.microsoft.com/office/drawing/2010/main" xmlns="" val="0"/>
                   </a:ext>
                 </a:extLst>
               </a:blip>
@@ -31042,7 +31008,7 @@
               <a:noFill/>
               <a:extLst>
                 <a:ext uri="{909E8E84-426E-40DD-AFC4-6F175D3DCCD1}">
-                  <a14:hiddenFill xmlns:a14="http://schemas.microsoft.com/office/drawing/2010/main">
+                  <a14:hiddenFill xmlns:a14="http://schemas.microsoft.com/office/drawing/2010/main" xmlns="">
                     <a:solidFill>
                       <a:srgbClr val="FFFFFF"/>
                     </a:solidFill>
@@ -31228,7 +31194,7 @@
             <a:blip r:embed="rId3">
               <a:extLst>
                 <a:ext uri="{28A0092B-C50C-407E-A947-70E740481C1C}">
-                  <a14:useLocalDpi xmlns:a14="http://schemas.microsoft.com/office/drawing/2010/main" val="0"/>
+                  <a14:useLocalDpi xmlns:a14="http://schemas.microsoft.com/office/drawing/2010/main" xmlns="" val="0"/>
                 </a:ext>
               </a:extLst>
             </a:blip>
@@ -31337,7 +31303,7 @@
     </p:spTree>
     <p:extLst>
       <p:ext uri="{BB962C8B-B14F-4D97-AF65-F5344CB8AC3E}">
-        <p14:creationId xmlns:p14="http://schemas.microsoft.com/office/powerpoint/2010/main" val="3828002713"/>
+        <p14:creationId xmlns:p14="http://schemas.microsoft.com/office/powerpoint/2010/main" xmlns="" val="3828002713"/>
       </p:ext>
     </p:extLst>
   </p:cSld>
@@ -31899,7 +31865,7 @@
     </p:spTree>
     <p:extLst>
       <p:ext uri="{BB962C8B-B14F-4D97-AF65-F5344CB8AC3E}">
-        <p14:creationId xmlns:p14="http://schemas.microsoft.com/office/powerpoint/2010/main" val="794148206"/>
+        <p14:creationId xmlns:p14="http://schemas.microsoft.com/office/powerpoint/2010/main" xmlns="" val="794148206"/>
       </p:ext>
     </p:extLst>
   </p:cSld>
@@ -33113,7 +33079,7 @@
     </p:spTree>
     <p:extLst>
       <p:ext uri="{BB962C8B-B14F-4D97-AF65-F5344CB8AC3E}">
-        <p14:creationId xmlns:p14="http://schemas.microsoft.com/office/powerpoint/2010/main" val="971131414"/>
+        <p14:creationId xmlns:p14="http://schemas.microsoft.com/office/powerpoint/2010/main" xmlns="" val="971131414"/>
       </p:ext>
     </p:extLst>
   </p:cSld>
@@ -33854,7 +33820,7 @@
     </p:spTree>
     <p:extLst>
       <p:ext uri="{BB962C8B-B14F-4D97-AF65-F5344CB8AC3E}">
-        <p14:creationId xmlns:p14="http://schemas.microsoft.com/office/powerpoint/2010/main" val="3418637054"/>
+        <p14:creationId xmlns:p14="http://schemas.microsoft.com/office/powerpoint/2010/main" xmlns="" val="3418637054"/>
       </p:ext>
     </p:extLst>
   </p:cSld>
@@ -34251,7 +34217,7 @@
     </p:spTree>
     <p:extLst>
       <p:ext uri="{BB962C8B-B14F-4D97-AF65-F5344CB8AC3E}">
-        <p14:creationId xmlns:p14="http://schemas.microsoft.com/office/powerpoint/2010/main" val="3886556471"/>
+        <p14:creationId xmlns:p14="http://schemas.microsoft.com/office/powerpoint/2010/main" xmlns="" val="3886556471"/>
       </p:ext>
     </p:extLst>
   </p:cSld>
@@ -34545,7 +34511,7 @@
   <a:extraClrSchemeLst/>
   <a:extLst>
     <a:ext uri="{05A4C25C-085E-4340-85A3-A5531E510DB2}">
-      <thm15:themeFamily xmlns:thm15="http://schemas.microsoft.com/office/thememl/2012/main" name="Retrospect" id="{5F128B03-DCCA-4EEB-AB3B-CF2899314A46}" vid="{3F1AAB62-24C6-49D2-8E01-B56FAC9A3DCD}"/>
+      <thm15:themeFamily xmlns:thm15="http://schemas.microsoft.com/office/thememl/2012/main" xmlns="" name="Retrospect" id="{5F128B03-DCCA-4EEB-AB3B-CF2899314A46}" vid="{3F1AAB62-24C6-49D2-8E01-B56FAC9A3DCD}"/>
     </a:ext>
   </a:extLst>
 </a:theme>
@@ -34806,7 +34772,7 @@
   <a:extraClrSchemeLst/>
   <a:extLst>
     <a:ext uri="{05A4C25C-085E-4340-85A3-A5531E510DB2}">
-      <thm15:themeFamily xmlns:thm15="http://schemas.microsoft.com/office/thememl/2012/main" name="Office Theme" id="{62F939B6-93AF-4DB8-9C6B-D6C7DFDC589F}" vid="{4A3C46E8-61CC-4603-A589-7422A47A8E4A}"/>
+      <thm15:themeFamily xmlns:thm15="http://schemas.microsoft.com/office/thememl/2012/main" xmlns="" name="Office Theme" id="{62F939B6-93AF-4DB8-9C6B-D6C7DFDC589F}" vid="{4A3C46E8-61CC-4603-A589-7422A47A8E4A}"/>
     </a:ext>
   </a:extLst>
 </a:theme>
